--- a/SupplementalMaterials2.pptx
+++ b/SupplementalMaterials2.pptx
@@ -9,6 +9,7 @@
     <p:sldId id="257" r:id="rId3"/>
     <p:sldId id="260" r:id="rId4"/>
     <p:sldId id="258" r:id="rId5"/>
+    <p:sldId id="261" r:id="rId6"/>
   </p:sldIdLst>
   <p:sldSz cx="12192000" cy="6858000"/>
   <p:notesSz cx="6858000" cy="9144000"/>
@@ -262,7 +263,7 @@
           <a:p>
             <a:fld id="{5C51FB93-08B1-43C2-9E35-DA5A216F6715}" type="datetimeFigureOut">
               <a:rPr lang="en-US" smtClean="0"/>
-              <a:t>4/21/2020</a:t>
+              <a:t>4/23/2020</a:t>
             </a:fld>
             <a:endParaRPr lang="en-US"/>
           </a:p>
@@ -460,7 +461,7 @@
           <a:p>
             <a:fld id="{5C51FB93-08B1-43C2-9E35-DA5A216F6715}" type="datetimeFigureOut">
               <a:rPr lang="en-US" smtClean="0"/>
-              <a:t>4/21/2020</a:t>
+              <a:t>4/23/2020</a:t>
             </a:fld>
             <a:endParaRPr lang="en-US"/>
           </a:p>
@@ -668,7 +669,7 @@
           <a:p>
             <a:fld id="{5C51FB93-08B1-43C2-9E35-DA5A216F6715}" type="datetimeFigureOut">
               <a:rPr lang="en-US" smtClean="0"/>
-              <a:t>4/21/2020</a:t>
+              <a:t>4/23/2020</a:t>
             </a:fld>
             <a:endParaRPr lang="en-US"/>
           </a:p>
@@ -866,7 +867,7 @@
           <a:p>
             <a:fld id="{5C51FB93-08B1-43C2-9E35-DA5A216F6715}" type="datetimeFigureOut">
               <a:rPr lang="en-US" smtClean="0"/>
-              <a:t>4/21/2020</a:t>
+              <a:t>4/23/2020</a:t>
             </a:fld>
             <a:endParaRPr lang="en-US"/>
           </a:p>
@@ -1141,7 +1142,7 @@
           <a:p>
             <a:fld id="{5C51FB93-08B1-43C2-9E35-DA5A216F6715}" type="datetimeFigureOut">
               <a:rPr lang="en-US" smtClean="0"/>
-              <a:t>4/21/2020</a:t>
+              <a:t>4/23/2020</a:t>
             </a:fld>
             <a:endParaRPr lang="en-US"/>
           </a:p>
@@ -1406,7 +1407,7 @@
           <a:p>
             <a:fld id="{5C51FB93-08B1-43C2-9E35-DA5A216F6715}" type="datetimeFigureOut">
               <a:rPr lang="en-US" smtClean="0"/>
-              <a:t>4/21/2020</a:t>
+              <a:t>4/23/2020</a:t>
             </a:fld>
             <a:endParaRPr lang="en-US"/>
           </a:p>
@@ -1818,7 +1819,7 @@
           <a:p>
             <a:fld id="{5C51FB93-08B1-43C2-9E35-DA5A216F6715}" type="datetimeFigureOut">
               <a:rPr lang="en-US" smtClean="0"/>
-              <a:t>4/21/2020</a:t>
+              <a:t>4/23/2020</a:t>
             </a:fld>
             <a:endParaRPr lang="en-US"/>
           </a:p>
@@ -1959,7 +1960,7 @@
           <a:p>
             <a:fld id="{5C51FB93-08B1-43C2-9E35-DA5A216F6715}" type="datetimeFigureOut">
               <a:rPr lang="en-US" smtClean="0"/>
-              <a:t>4/21/2020</a:t>
+              <a:t>4/23/2020</a:t>
             </a:fld>
             <a:endParaRPr lang="en-US"/>
           </a:p>
@@ -2072,7 +2073,7 @@
           <a:p>
             <a:fld id="{5C51FB93-08B1-43C2-9E35-DA5A216F6715}" type="datetimeFigureOut">
               <a:rPr lang="en-US" smtClean="0"/>
-              <a:t>4/21/2020</a:t>
+              <a:t>4/23/2020</a:t>
             </a:fld>
             <a:endParaRPr lang="en-US"/>
           </a:p>
@@ -2383,7 +2384,7 @@
           <a:p>
             <a:fld id="{5C51FB93-08B1-43C2-9E35-DA5A216F6715}" type="datetimeFigureOut">
               <a:rPr lang="en-US" smtClean="0"/>
-              <a:t>4/21/2020</a:t>
+              <a:t>4/23/2020</a:t>
             </a:fld>
             <a:endParaRPr lang="en-US"/>
           </a:p>
@@ -2671,7 +2672,7 @@
           <a:p>
             <a:fld id="{5C51FB93-08B1-43C2-9E35-DA5A216F6715}" type="datetimeFigureOut">
               <a:rPr lang="en-US" smtClean="0"/>
-              <a:t>4/21/2020</a:t>
+              <a:t>4/23/2020</a:t>
             </a:fld>
             <a:endParaRPr lang="en-US"/>
           </a:p>
@@ -2912,7 +2913,7 @@
           <a:p>
             <a:fld id="{5C51FB93-08B1-43C2-9E35-DA5A216F6715}" type="datetimeFigureOut">
               <a:rPr lang="en-US" smtClean="0"/>
-              <a:t>4/21/2020</a:t>
+              <a:t>4/23/2020</a:t>
             </a:fld>
             <a:endParaRPr lang="en-US"/>
           </a:p>
@@ -3841,6 +3842,228 @@
 </p:sld>
 </file>
 
+<file path=ppt/slides/slide5.xml><?xml version="1.0" encoding="utf-8"?>
+<p:sld xmlns:a="http://schemas.openxmlformats.org/drawingml/2006/main" xmlns:r="http://schemas.openxmlformats.org/officeDocument/2006/relationships" xmlns:p="http://schemas.openxmlformats.org/presentationml/2006/main">
+  <p:cSld>
+    <p:spTree>
+      <p:nvGrpSpPr>
+        <p:cNvPr id="1" name=""/>
+        <p:cNvGrpSpPr/>
+        <p:nvPr/>
+      </p:nvGrpSpPr>
+      <p:grpSpPr>
+        <a:xfrm>
+          <a:off x="0" y="0"/>
+          <a:ext cx="0" cy="0"/>
+          <a:chOff x="0" y="0"/>
+          <a:chExt cx="0" cy="0"/>
+        </a:xfrm>
+      </p:grpSpPr>
+      <p:sp>
+        <p:nvSpPr>
+          <p:cNvPr id="2" name="Title 1">
+            <a:extLst>
+              <a:ext uri="{FF2B5EF4-FFF2-40B4-BE49-F238E27FC236}">
+                <a16:creationId xmlns:a16="http://schemas.microsoft.com/office/drawing/2014/main" id="{85CE7097-73A9-4117-87B7-DF0A258E9EDF}"/>
+              </a:ext>
+            </a:extLst>
+          </p:cNvPr>
+          <p:cNvSpPr>
+            <a:spLocks noGrp="1"/>
+          </p:cNvSpPr>
+          <p:nvPr>
+            <p:ph type="title"/>
+          </p:nvPr>
+        </p:nvSpPr>
+        <p:spPr/>
+        <p:txBody>
+          <a:bodyPr/>
+          <a:lstStyle/>
+          <a:p>
+            <a:r>
+              <a:rPr lang="en-US" dirty="0"/>
+              <a:t>Variable Assignment</a:t>
+            </a:r>
+          </a:p>
+        </p:txBody>
+      </p:sp>
+      <p:sp>
+        <p:nvSpPr>
+          <p:cNvPr id="3" name="Content Placeholder 2">
+            <a:extLst>
+              <a:ext uri="{FF2B5EF4-FFF2-40B4-BE49-F238E27FC236}">
+                <a16:creationId xmlns:a16="http://schemas.microsoft.com/office/drawing/2014/main" id="{C4C6E6D1-11E8-4465-85A6-D342A8947B3C}"/>
+              </a:ext>
+            </a:extLst>
+          </p:cNvPr>
+          <p:cNvSpPr>
+            <a:spLocks noGrp="1"/>
+          </p:cNvSpPr>
+          <p:nvPr>
+            <p:ph idx="1"/>
+          </p:nvPr>
+        </p:nvSpPr>
+        <p:spPr/>
+        <p:txBody>
+          <a:bodyPr/>
+          <a:lstStyle/>
+          <a:p>
+            <a:r>
+              <a:rPr lang="en-US" dirty="0"/>
+              <a:t>Which is the correct way to read a spreadsheet into R?</a:t>
+            </a:r>
+          </a:p>
+          <a:p>
+            <a:pPr marL="0" indent="0">
+              <a:buNone/>
+            </a:pPr>
+            <a:r>
+              <a:rPr lang="en-US" dirty="0"/>
+              <a:t>1)   data &lt;- </a:t>
+            </a:r>
+            <a:r>
+              <a:rPr lang="en-US" dirty="0" err="1"/>
+              <a:t>read_excel</a:t>
+            </a:r>
+            <a:r>
+              <a:rPr lang="en-US" dirty="0"/>
+              <a:t>(data.xlsx)</a:t>
+            </a:r>
+          </a:p>
+          <a:p>
+            <a:pPr marL="514350" indent="-514350">
+              <a:buFont typeface="Arial" panose="020B0604020202020204" pitchFamily="34" charset="0"/>
+              <a:buAutoNum type="arabicParenR" startAt="2"/>
+            </a:pPr>
+            <a:r>
+              <a:rPr lang="en-US" dirty="0"/>
+              <a:t>data &lt;- </a:t>
+            </a:r>
+            <a:r>
+              <a:rPr lang="en-US" dirty="0" err="1"/>
+              <a:t>read_excel</a:t>
+            </a:r>
+            <a:r>
+              <a:rPr lang="en-US" dirty="0"/>
+              <a:t>(“data.xlsx”)</a:t>
+            </a:r>
+          </a:p>
+          <a:p>
+            <a:pPr marL="514350" indent="-514350">
+              <a:buFont typeface="Arial" panose="020B0604020202020204" pitchFamily="34" charset="0"/>
+              <a:buAutoNum type="arabicParenR" startAt="2"/>
+            </a:pPr>
+            <a:r>
+              <a:rPr lang="en-US" dirty="0"/>
+              <a:t>data </a:t>
+            </a:r>
+            <a:r>
+              <a:rPr lang="en-US" dirty="0" err="1"/>
+              <a:t>read_excel</a:t>
+            </a:r>
+            <a:r>
+              <a:rPr lang="en-US" dirty="0"/>
+              <a:t>(data.xlsx)</a:t>
+            </a:r>
+          </a:p>
+          <a:p>
+            <a:pPr marL="514350" indent="-514350">
+              <a:buFont typeface="Arial" panose="020B0604020202020204" pitchFamily="34" charset="0"/>
+              <a:buAutoNum type="arabicParenR" startAt="2"/>
+            </a:pPr>
+            <a:r>
+              <a:rPr lang="en-US" dirty="0"/>
+              <a:t>data &lt;- </a:t>
+            </a:r>
+            <a:r>
+              <a:rPr lang="en-US" dirty="0" err="1"/>
+              <a:t>read.table</a:t>
+            </a:r>
+            <a:r>
+              <a:rPr lang="en-US" dirty="0"/>
+              <a:t>(data.xlsx)</a:t>
+            </a:r>
+          </a:p>
+          <a:p>
+            <a:pPr marL="514350" indent="-514350">
+              <a:buFont typeface="Arial" panose="020B0604020202020204" pitchFamily="34" charset="0"/>
+              <a:buAutoNum type="arabicParenR" startAt="2"/>
+            </a:pPr>
+            <a:r>
+              <a:rPr lang="en-US" dirty="0"/>
+              <a:t>data = </a:t>
+            </a:r>
+            <a:r>
+              <a:rPr lang="en-US" dirty="0" err="1"/>
+              <a:t>read_excel</a:t>
+            </a:r>
+            <a:r>
+              <a:rPr lang="en-US" dirty="0"/>
+              <a:t>(data.xlsx)</a:t>
+            </a:r>
+          </a:p>
+          <a:p>
+            <a:pPr marL="0" indent="0">
+              <a:buNone/>
+            </a:pPr>
+            <a:endParaRPr lang="en-US" dirty="0"/>
+          </a:p>
+          <a:p>
+            <a:pPr marL="514350" indent="-514350">
+              <a:buAutoNum type="arabicParenR" startAt="2"/>
+            </a:pPr>
+            <a:endParaRPr lang="en-US" dirty="0"/>
+          </a:p>
+        </p:txBody>
+      </p:sp>
+      <p:sp>
+        <p:nvSpPr>
+          <p:cNvPr id="4" name="TextBox 3">
+            <a:extLst>
+              <a:ext uri="{FF2B5EF4-FFF2-40B4-BE49-F238E27FC236}">
+                <a16:creationId xmlns:a16="http://schemas.microsoft.com/office/drawing/2014/main" id="{FF308ECC-B591-4F11-B067-C3C363F4FC40}"/>
+              </a:ext>
+            </a:extLst>
+          </p:cNvPr>
+          <p:cNvSpPr txBox="1"/>
+          <p:nvPr/>
+        </p:nvSpPr>
+        <p:spPr>
+          <a:xfrm>
+            <a:off x="7299507" y="6483089"/>
+            <a:ext cx="4892493" cy="369332"/>
+          </a:xfrm>
+          <a:prstGeom prst="rect">
+            <a:avLst/>
+          </a:prstGeom>
+          <a:noFill/>
+        </p:spPr>
+        <p:txBody>
+          <a:bodyPr wrap="none" rtlCol="0">
+            <a:spAutoFit/>
+          </a:bodyPr>
+          <a:lstStyle/>
+          <a:p>
+            <a:r>
+              <a:rPr lang="en-US" dirty="0"/>
+              <a:t>(answer: 2; 5 would work too, but is way less cool)</a:t>
+            </a:r>
+          </a:p>
+        </p:txBody>
+      </p:sp>
+    </p:spTree>
+    <p:extLst>
+      <p:ext uri="{BB962C8B-B14F-4D97-AF65-F5344CB8AC3E}">
+        <p14:creationId xmlns:p14="http://schemas.microsoft.com/office/powerpoint/2010/main" val="961693580"/>
+      </p:ext>
+    </p:extLst>
+  </p:cSld>
+  <p:clrMapOvr>
+    <a:masterClrMapping/>
+  </p:clrMapOvr>
+</p:sld>
+</file>
+
 <file path=ppt/theme/theme1.xml><?xml version="1.0" encoding="utf-8"?>
 <a:theme xmlns:a="http://schemas.openxmlformats.org/drawingml/2006/main" name="Office Theme">
   <a:themeElements>
